--- a/misc_images/arm_diagrams.pptx
+++ b/misc_images/arm_diagrams.pptx
@@ -5599,7 +5599,7 @@
         <p:spPr>
           <a:xfrm>
             <a:off x="2488806" y="3545511"/>
-            <a:ext cx="335348" cy="276999"/>
+            <a:ext cx="325730" cy="276999"/>
           </a:xfrm>
           <a:prstGeom prst="rect">
             <a:avLst/>
@@ -5613,7 +5613,7 @@
           <a:lstStyle/>
           <a:p>
             <a:r>
-              <a:rPr lang="en-US" sz="1200" dirty="0" smtClean="0">
+              <a:rPr lang="en-US" sz="1200" smtClean="0">
                 <a:latin typeface="Lucida Handwriting" charset="0"/>
                 <a:ea typeface="Lucida Handwriting" charset="0"/>
                 <a:cs typeface="Lucida Handwriting" charset="0"/>
@@ -5621,8 +5621,8 @@
               <a:t>𝑑</a:t>
             </a:r>
             <a:r>
-              <a:rPr lang="en-US" sz="1200" baseline="-25000" dirty="0" smtClean="0"/>
-              <a:t>3</a:t>
+              <a:rPr lang="en-US" sz="1200" baseline="-25000" dirty="0"/>
+              <a:t>4</a:t>
             </a:r>
             <a:endParaRPr lang="en-US" sz="1200" dirty="0"/>
           </a:p>
